--- a/ppt/学习总结-20220518.pptx
+++ b/ppt/学习总结-20220518.pptx
@@ -253,7 +253,7 @@
           <a:p>
             <a:fld id="{48A87A34-81AB-432B-8DAE-1953F412C126}" type="datetimeFigureOut">
               <a:rPr lang="en-US" dirty="0"/>
-              <a:t>5/12/2022</a:t>
+              <a:t>5/17/2022</a:t>
             </a:fld>
             <a:endParaRPr lang="en-US" dirty="0"/>
           </a:p>
@@ -459,7 +459,7 @@
           <a:p>
             <a:fld id="{48A87A34-81AB-432B-8DAE-1953F412C126}" type="datetimeFigureOut">
               <a:rPr lang="en-US" dirty="0"/>
-              <a:t>5/12/2022</a:t>
+              <a:t>5/17/2022</a:t>
             </a:fld>
             <a:endParaRPr lang="en-US" dirty="0"/>
           </a:p>
@@ -669,7 +669,7 @@
           <a:p>
             <a:fld id="{48A87A34-81AB-432B-8DAE-1953F412C126}" type="datetimeFigureOut">
               <a:rPr lang="en-US" dirty="0"/>
-              <a:t>5/12/2022</a:t>
+              <a:t>5/17/2022</a:t>
             </a:fld>
             <a:endParaRPr lang="en-US" dirty="0"/>
           </a:p>
@@ -865,7 +865,7 @@
           <a:p>
             <a:fld id="{48A87A34-81AB-432B-8DAE-1953F412C126}" type="datetimeFigureOut">
               <a:rPr lang="en-US" dirty="0"/>
-              <a:t>5/12/2022</a:t>
+              <a:t>5/17/2022</a:t>
             </a:fld>
             <a:endParaRPr lang="en-US" dirty="0"/>
           </a:p>
@@ -1139,7 +1139,7 @@
           <a:p>
             <a:fld id="{48A87A34-81AB-432B-8DAE-1953F412C126}" type="datetimeFigureOut">
               <a:rPr lang="en-US" dirty="0"/>
-              <a:t>5/12/2022</a:t>
+              <a:t>5/17/2022</a:t>
             </a:fld>
             <a:endParaRPr lang="en-US" dirty="0"/>
           </a:p>
@@ -1402,7 +1402,7 @@
           <a:p>
             <a:fld id="{48A87A34-81AB-432B-8DAE-1953F412C126}" type="datetimeFigureOut">
               <a:rPr lang="en-US" dirty="0"/>
-              <a:t>5/12/2022</a:t>
+              <a:t>5/17/2022</a:t>
             </a:fld>
             <a:endParaRPr lang="en-US" dirty="0"/>
           </a:p>
@@ -1813,7 +1813,7 @@
           <a:p>
             <a:fld id="{48A87A34-81AB-432B-8DAE-1953F412C126}" type="datetimeFigureOut">
               <a:rPr lang="en-US" dirty="0"/>
-              <a:t>5/12/2022</a:t>
+              <a:t>5/17/2022</a:t>
             </a:fld>
             <a:endParaRPr lang="en-US" dirty="0"/>
           </a:p>
@@ -1957,7 +1957,7 @@
           <a:p>
             <a:fld id="{48A87A34-81AB-432B-8DAE-1953F412C126}" type="datetimeFigureOut">
               <a:rPr lang="en-US" dirty="0"/>
-              <a:t>5/12/2022</a:t>
+              <a:t>5/17/2022</a:t>
             </a:fld>
             <a:endParaRPr lang="en-US" dirty="0"/>
           </a:p>
@@ -2078,7 +2078,7 @@
           <a:p>
             <a:fld id="{48A87A34-81AB-432B-8DAE-1953F412C126}" type="datetimeFigureOut">
               <a:rPr lang="en-US" dirty="0"/>
-              <a:t>5/12/2022</a:t>
+              <a:t>5/17/2022</a:t>
             </a:fld>
             <a:endParaRPr lang="en-US" dirty="0"/>
           </a:p>
@@ -2324,7 +2324,7 @@
           <a:p>
             <a:fld id="{48A87A34-81AB-432B-8DAE-1953F412C126}" type="datetimeFigureOut">
               <a:rPr lang="en-US" dirty="0"/>
-              <a:t>5/12/2022</a:t>
+              <a:t>5/17/2022</a:t>
             </a:fld>
             <a:endParaRPr lang="en-US" dirty="0"/>
           </a:p>
@@ -2765,7 +2765,7 @@
             <a:fld id="{48A87A34-81AB-432B-8DAE-1953F412C126}" type="datetimeFigureOut">
               <a:rPr lang="en-US" dirty="0"/>
               <a:pPr/>
-              <a:t>5/12/2022</a:t>
+              <a:t>5/17/2022</a:t>
             </a:fld>
             <a:endParaRPr lang="en-US" dirty="0"/>
           </a:p>
@@ -3088,7 +3088,7 @@
             <a:fld id="{48A87A34-81AB-432B-8DAE-1953F412C126}" type="datetimeFigureOut">
               <a:rPr lang="en-US" dirty="0"/>
               <a:pPr/>
-              <a:t>5/12/2022</a:t>
+              <a:t>5/17/2022</a:t>
             </a:fld>
             <a:endParaRPr lang="en-US" dirty="0"/>
           </a:p>
@@ -3767,10 +3767,10 @@
       </p:sp>
       <p:pic>
         <p:nvPicPr>
-          <p:cNvPr id="5" name="图片 4">
+          <p:cNvPr id="6" name="图片 5">
             <a:extLst>
               <a:ext uri="{FF2B5EF4-FFF2-40B4-BE49-F238E27FC236}">
-                <a16:creationId xmlns:a16="http://schemas.microsoft.com/office/drawing/2014/main" id="{90D05A42-F179-1B95-1AFA-F9CB752C50C8}"/>
+                <a16:creationId xmlns:a16="http://schemas.microsoft.com/office/drawing/2014/main" id="{C2A3ADEE-6190-4D4D-DA85-FF0E874405FE}"/>
               </a:ext>
             </a:extLst>
           </p:cNvPr>
@@ -3787,8 +3787,8 @@
         </p:blipFill>
         <p:spPr>
           <a:xfrm>
-            <a:off x="5729878" y="2015732"/>
-            <a:ext cx="4729412" cy="3771404"/>
+            <a:off x="4436631" y="982581"/>
+            <a:ext cx="7444555" cy="4715745"/>
           </a:xfrm>
           <a:prstGeom prst="rect">
             <a:avLst/>
@@ -3907,10 +3907,10 @@
       </p:sp>
       <p:pic>
         <p:nvPicPr>
-          <p:cNvPr id="8" name="图片 7">
+          <p:cNvPr id="7" name="图片 6">
             <a:extLst>
               <a:ext uri="{FF2B5EF4-FFF2-40B4-BE49-F238E27FC236}">
-                <a16:creationId xmlns:a16="http://schemas.microsoft.com/office/drawing/2014/main" id="{3B859186-467F-70A3-134B-7C064BAB56D4}"/>
+                <a16:creationId xmlns:a16="http://schemas.microsoft.com/office/drawing/2014/main" id="{CF13D218-947C-A2B7-8C7C-82F7786D5C91}"/>
               </a:ext>
             </a:extLst>
           </p:cNvPr>
@@ -3927,8 +3927,8 @@
         </p:blipFill>
         <p:spPr>
           <a:xfrm>
-            <a:off x="6006737" y="624172"/>
-            <a:ext cx="5048117" cy="5373569"/>
+            <a:off x="5321556" y="1937975"/>
+            <a:ext cx="5733298" cy="3822199"/>
           </a:xfrm>
           <a:prstGeom prst="rect">
             <a:avLst/>
